--- a/studies/2020_Aperol_Git/Scripts_Protokolle/script_labpilotpersonB.pptx
+++ b/studies/2020_Aperol_Git/Scripts_Protokolle/script_labpilotpersonB.pptx
@@ -348,7 +348,7 @@
             <a:fld id="{87DE6118-2437-4B30-8E3C-4D2BE6020583}" type="datetimeFigureOut">
               <a:rPr lang="en-US" smtClean="0"/>
               <a:pPr/>
-              <a:t>8/4/2020</a:t>
+              <a:t>11/10/2020</a:t>
             </a:fld>
             <a:endParaRPr lang="en-US" dirty="0"/>
           </a:p>
@@ -557,7 +557,7 @@
           <a:p>
             <a:fld id="{87DE6118-2437-4B30-8E3C-4D2BE6020583}" type="datetimeFigureOut">
               <a:rPr lang="en-US" smtClean="0"/>
-              <a:t>8/4/2020</a:t>
+              <a:t>11/10/2020</a:t>
             </a:fld>
             <a:endParaRPr lang="en-US" dirty="0"/>
           </a:p>
@@ -813,7 +813,7 @@
           <a:p>
             <a:fld id="{87DE6118-2437-4B30-8E3C-4D2BE6020583}" type="datetimeFigureOut">
               <a:rPr lang="en-US" smtClean="0"/>
-              <a:t>8/4/2020</a:t>
+              <a:t>11/10/2020</a:t>
             </a:fld>
             <a:endParaRPr lang="en-US" dirty="0"/>
           </a:p>
@@ -987,7 +987,7 @@
           <a:p>
             <a:fld id="{87DE6118-2437-4B30-8E3C-4D2BE6020583}" type="datetimeFigureOut">
               <a:rPr lang="en-US" smtClean="0"/>
-              <a:t>8/4/2020</a:t>
+              <a:t>11/10/2020</a:t>
             </a:fld>
             <a:endParaRPr lang="en-US" dirty="0"/>
           </a:p>
@@ -1331,7 +1331,7 @@
             <a:fld id="{87DE6118-2437-4B30-8E3C-4D2BE6020583}" type="datetimeFigureOut">
               <a:rPr lang="en-US" smtClean="0"/>
               <a:pPr/>
-              <a:t>8/4/2020</a:t>
+              <a:t>11/10/2020</a:t>
             </a:fld>
             <a:endParaRPr lang="en-US" dirty="0"/>
           </a:p>
@@ -1607,7 +1607,7 @@
           <a:p>
             <a:fld id="{87DE6118-2437-4B30-8E3C-4D2BE6020583}" type="datetimeFigureOut">
               <a:rPr lang="en-US" smtClean="0"/>
-              <a:t>8/4/2020</a:t>
+              <a:t>11/10/2020</a:t>
             </a:fld>
             <a:endParaRPr lang="en-US" dirty="0"/>
           </a:p>
@@ -1986,7 +1986,7 @@
           <a:p>
             <a:fld id="{87DE6118-2437-4B30-8E3C-4D2BE6020583}" type="datetimeFigureOut">
               <a:rPr lang="en-US" smtClean="0"/>
-              <a:t>8/4/2020</a:t>
+              <a:t>11/10/2020</a:t>
             </a:fld>
             <a:endParaRPr lang="en-US" dirty="0"/>
           </a:p>
@@ -2104,7 +2104,7 @@
           <a:p>
             <a:fld id="{87DE6118-2437-4B30-8E3C-4D2BE6020583}" type="datetimeFigureOut">
               <a:rPr lang="en-US" smtClean="0"/>
-              <a:t>8/4/2020</a:t>
+              <a:t>11/10/2020</a:t>
             </a:fld>
             <a:endParaRPr lang="en-US" dirty="0"/>
           </a:p>
@@ -2275,7 +2275,7 @@
           <a:p>
             <a:fld id="{87DE6118-2437-4B30-8E3C-4D2BE6020583}" type="datetimeFigureOut">
               <a:rPr lang="en-US" smtClean="0"/>
-              <a:t>8/4/2020</a:t>
+              <a:t>11/10/2020</a:t>
             </a:fld>
             <a:endParaRPr lang="en-US" dirty="0"/>
           </a:p>
@@ -2630,7 +2630,7 @@
             <a:fld id="{87DE6118-2437-4B30-8E3C-4D2BE6020583}" type="datetimeFigureOut">
               <a:rPr lang="en-US" smtClean="0"/>
               <a:pPr/>
-              <a:t>8/4/2020</a:t>
+              <a:t>11/10/2020</a:t>
             </a:fld>
             <a:endParaRPr lang="en-US" dirty="0"/>
           </a:p>
@@ -3014,7 +3014,7 @@
             <a:fld id="{87DE6118-2437-4B30-8E3C-4D2BE6020583}" type="datetimeFigureOut">
               <a:rPr lang="en-US" smtClean="0"/>
               <a:pPr/>
-              <a:t>8/4/2020</a:t>
+              <a:t>11/10/2020</a:t>
             </a:fld>
             <a:endParaRPr lang="en-US" dirty="0"/>
           </a:p>
@@ -3303,7 +3303,7 @@
             <a:fld id="{87DE6118-2437-4B30-8E3C-4D2BE6020583}" type="datetimeFigureOut">
               <a:rPr lang="en-US" smtClean="0"/>
               <a:pPr/>
-              <a:t>8/4/2020</a:t>
+              <a:t>11/10/2020</a:t>
             </a:fld>
             <a:endParaRPr lang="en-US" dirty="0"/>
           </a:p>
@@ -4481,7 +4481,7 @@
           <a:p>
             <a:r>
               <a:rPr lang="de-DE" sz="5400" dirty="0"/>
-              <a:t>klickert nervös mit dem Kugel-schreiben</a:t>
+              <a:t>klickert nervös mit dem Kugel-schreiber</a:t>
             </a:r>
           </a:p>
           <a:p>
